--- a/HebertGabriel_PlanteAlex_Projet_final/presentation.pptx
+++ b/HebertGabriel_PlanteAlex_Projet_final/presentation.pptx
@@ -7289,8 +7289,17 @@
             </a:r>
             <a:r>
               <a:rPr lang="fr-CA" dirty="0"/>
-              <a:t>. Comment les envoyer.</a:t>
-            </a:r>
+              <a:t>. Comment les </a:t>
+            </a:r>
+            <a:r>
+              <a:rPr lang="fr-CA" dirty="0" smtClean="0"/>
+              <a:t>envoyer (RPC</a:t>
+            </a:r>
+            <a:r>
+              <a:rPr lang="fr-CA" smtClean="0"/>
+              <a:t>, Synchronisation).</a:t>
+            </a:r>
+            <a:endParaRPr lang="fr-CA" dirty="0"/>
           </a:p>
         </p:txBody>
       </p:sp>

--- a/HebertGabriel_PlanteAlex_Projet_final/presentation.pptx
+++ b/HebertGabriel_PlanteAlex_Projet_final/presentation.pptx
@@ -114,6 +114,11 @@
       </a:defRPr>
     </a:lvl9pPr>
   </p:defaultTextStyle>
+  <p:extLst>
+    <p:ext uri="{EFAFB233-063F-42B5-8137-9DF3F51BA10A}">
+      <p15:sldGuideLst xmlns:p15="http://schemas.microsoft.com/office/powerpoint/2012/main"/>
+    </p:ext>
+  </p:extLst>
 </p:presentation>
 </file>
 
@@ -6473,8 +6478,8 @@
         </p:nvSpPr>
         <p:spPr>
           <a:xfrm>
-            <a:off x="2287892" y="2329495"/>
-            <a:ext cx="4806776" cy="1495168"/>
+            <a:off x="1377447" y="2156500"/>
+            <a:ext cx="5351771" cy="2452570"/>
           </a:xfrm>
         </p:spPr>
         <p:txBody>
@@ -6489,7 +6494,7 @@
               </a:spcBef>
             </a:pPr>
             <a:r>
-              <a:rPr lang="fr-CA" sz="2200" dirty="0" smtClean="0"/>
+              <a:rPr lang="fr-CA" sz="2200" dirty="0"/>
               <a:t>Facile d’approche</a:t>
             </a:r>
           </a:p>
@@ -6500,8 +6505,31 @@
               </a:spcBef>
             </a:pPr>
             <a:r>
+              <a:rPr lang="fr-CA" sz="2200" dirty="0"/>
+              <a:t>Moins optimal</a:t>
+            </a:r>
+          </a:p>
+          <a:p>
+            <a:pPr>
+              <a:spcBef>
+                <a:spcPts val="600"/>
+              </a:spcBef>
+            </a:pPr>
+            <a:r>
               <a:rPr lang="fr-CA" sz="2200" dirty="0" smtClean="0"/>
-              <a:t>Moins optimal</a:t>
+              <a:t>Documentation/tutoriaux abondants</a:t>
+            </a:r>
+            <a:endParaRPr lang="fr-CA" sz="2200" dirty="0"/>
+          </a:p>
+          <a:p>
+            <a:pPr>
+              <a:spcBef>
+                <a:spcPts val="600"/>
+              </a:spcBef>
+            </a:pPr>
+            <a:r>
+              <a:rPr lang="fr-CA" sz="2200" dirty="0"/>
+              <a:t>Bon éventail d'options de personnalisation</a:t>
             </a:r>
             <a:endParaRPr lang="fr-CA" sz="2200" dirty="0"/>
           </a:p>
@@ -6529,7 +6557,7 @@
         </p:blipFill>
         <p:spPr>
           <a:xfrm>
-            <a:off x="2164640" y="760969"/>
+            <a:off x="2053427" y="760969"/>
             <a:ext cx="3114675" cy="1714500"/>
           </a:xfrm>
           <a:prstGeom prst="rect">
@@ -6559,7 +6587,7 @@
         </p:blipFill>
         <p:spPr>
           <a:xfrm>
-            <a:off x="7194635" y="859569"/>
+            <a:off x="7396689" y="859569"/>
             <a:ext cx="3999470" cy="1517299"/>
           </a:xfrm>
           <a:prstGeom prst="rect">
@@ -6577,8 +6605,8 @@
         </p:nvSpPr>
         <p:spPr>
           <a:xfrm>
-            <a:off x="7242634" y="2329495"/>
-            <a:ext cx="4806776" cy="1495168"/>
+            <a:off x="6831305" y="2156500"/>
+            <a:ext cx="5352048" cy="2452570"/>
           </a:xfrm>
           <a:prstGeom prst="rect">
             <a:avLst/>
@@ -6822,8 +6850,8 @@
               </a:spcBef>
             </a:pPr>
             <a:r>
-              <a:rPr lang="fr-CA" sz="2200" dirty="0" smtClean="0"/>
-              <a:t>Complexe</a:t>
+              <a:rPr lang="fr-CA" sz="2200" dirty="0"/>
+              <a:t>Plus complet</a:t>
             </a:r>
           </a:p>
           <a:p>
@@ -6833,8 +6861,38 @@
               </a:spcBef>
             </a:pPr>
             <a:r>
+              <a:rPr lang="fr-CA" sz="2200" dirty="0"/>
+              <a:t>Puissant et sécuritaire</a:t>
+            </a:r>
+          </a:p>
+          <a:p>
+            <a:pPr>
+              <a:spcBef>
+                <a:spcPts val="600"/>
+              </a:spcBef>
+            </a:pPr>
+            <a:r>
+              <a:rPr lang="fr-CA" sz="2200" dirty="0"/>
+              <a:t>Limite </a:t>
+            </a:r>
+            <a:r>
               <a:rPr lang="fr-CA" sz="2200" dirty="0" smtClean="0"/>
-              <a:t>Plus puissant</a:t>
+              <a:t>rigide sur </a:t>
+            </a:r>
+            <a:r>
+              <a:rPr lang="fr-CA" sz="2200" dirty="0"/>
+              <a:t>le nombre de joueurs (64)</a:t>
+            </a:r>
+          </a:p>
+          <a:p>
+            <a:pPr>
+              <a:spcBef>
+                <a:spcPts val="600"/>
+              </a:spcBef>
+            </a:pPr>
+            <a:r>
+              <a:rPr lang="fr-CA" sz="2200" dirty="0"/>
+              <a:t>Support limité</a:t>
             </a:r>
             <a:endParaRPr lang="fr-CA" sz="2200" dirty="0"/>
           </a:p>
@@ -8247,10 +8305,14 @@
             </a:r>
             <a:r>
               <a:rPr lang="fr-CA" sz="2300" dirty="0"/>
-              <a:t> (</a:t>
-            </a:r>
-            <a:r>
-              <a:rPr lang="fr-CA" sz="2300" dirty="0" err="1"/>
+              <a:t> </a:t>
+            </a:r>
+            <a:r>
+              <a:rPr lang="fr-CA" sz="2300" dirty="0" smtClean="0"/>
+              <a:t>(</a:t>
+            </a:r>
+            <a:r>
+              <a:rPr lang="fr-CA" sz="2300" dirty="0" err="1" smtClean="0"/>
               <a:t>horizontalInput</a:t>
             </a:r>
             <a:r>
@@ -8303,10 +8365,14 @@
             </a:r>
             <a:r>
               <a:rPr lang="fr-CA" sz="2300" dirty="0"/>
-              <a:t> (</a:t>
-            </a:r>
-            <a:r>
-              <a:rPr lang="fr-CA" sz="2300" dirty="0" err="1"/>
+              <a:t> </a:t>
+            </a:r>
+            <a:r>
+              <a:rPr lang="fr-CA" sz="2300" dirty="0" smtClean="0"/>
+              <a:t>(</a:t>
+            </a:r>
+            <a:r>
+              <a:rPr lang="fr-CA" sz="2300" dirty="0" err="1" smtClean="0"/>
               <a:t>horizontalInput</a:t>
             </a:r>
             <a:r>
